--- a/documentation/poster/The-Efficacy-of-Finetuning-Large-Language-Models-for-Interpersonal-Conflict-Resolution-POSTER.pptx
+++ b/documentation/poster/The-Efficacy-of-Finetuning-Large-Language-Models-for-Interpersonal-Conflict-Resolution-POSTER.pptx
@@ -302,7 +302,7 @@
           <a:p>
             <a:fld id="{F19300BF-F106-7145-A9DE-87A130656AA4}" type="datetimeFigureOut">
               <a:rPr lang="en-US" smtClean="0"/>
-              <a:t>4/25/2024</a:t>
+              <a:t>4/26/24</a:t>
             </a:fld>
             <a:endParaRPr lang="en-US"/>
           </a:p>
@@ -470,7 +470,7 @@
           <a:p>
             <a:fld id="{F19300BF-F106-7145-A9DE-87A130656AA4}" type="datetimeFigureOut">
               <a:rPr lang="en-US" smtClean="0"/>
-              <a:t>4/25/2024</a:t>
+              <a:t>4/26/24</a:t>
             </a:fld>
             <a:endParaRPr lang="en-US"/>
           </a:p>
@@ -648,7 +648,7 @@
           <a:p>
             <a:fld id="{F19300BF-F106-7145-A9DE-87A130656AA4}" type="datetimeFigureOut">
               <a:rPr lang="en-US" smtClean="0"/>
-              <a:t>4/25/2024</a:t>
+              <a:t>4/26/24</a:t>
             </a:fld>
             <a:endParaRPr lang="en-US"/>
           </a:p>
@@ -816,7 +816,7 @@
           <a:p>
             <a:fld id="{F19300BF-F106-7145-A9DE-87A130656AA4}" type="datetimeFigureOut">
               <a:rPr lang="en-US" smtClean="0"/>
-              <a:t>4/25/2024</a:t>
+              <a:t>4/26/24</a:t>
             </a:fld>
             <a:endParaRPr lang="en-US"/>
           </a:p>
@@ -1061,7 +1061,7 @@
           <a:p>
             <a:fld id="{F19300BF-F106-7145-A9DE-87A130656AA4}" type="datetimeFigureOut">
               <a:rPr lang="en-US" smtClean="0"/>
-              <a:t>4/25/2024</a:t>
+              <a:t>4/26/24</a:t>
             </a:fld>
             <a:endParaRPr lang="en-US"/>
           </a:p>
@@ -1346,7 +1346,7 @@
           <a:p>
             <a:fld id="{F19300BF-F106-7145-A9DE-87A130656AA4}" type="datetimeFigureOut">
               <a:rPr lang="en-US" smtClean="0"/>
-              <a:t>4/25/2024</a:t>
+              <a:t>4/26/24</a:t>
             </a:fld>
             <a:endParaRPr lang="en-US"/>
           </a:p>
@@ -1765,7 +1765,7 @@
           <a:p>
             <a:fld id="{F19300BF-F106-7145-A9DE-87A130656AA4}" type="datetimeFigureOut">
               <a:rPr lang="en-US" smtClean="0"/>
-              <a:t>4/25/2024</a:t>
+              <a:t>4/26/24</a:t>
             </a:fld>
             <a:endParaRPr lang="en-US"/>
           </a:p>
@@ -1882,7 +1882,7 @@
           <a:p>
             <a:fld id="{F19300BF-F106-7145-A9DE-87A130656AA4}" type="datetimeFigureOut">
               <a:rPr lang="en-US" smtClean="0"/>
-              <a:t>4/25/2024</a:t>
+              <a:t>4/26/24</a:t>
             </a:fld>
             <a:endParaRPr lang="en-US"/>
           </a:p>
@@ -1977,7 +1977,7 @@
           <a:p>
             <a:fld id="{F19300BF-F106-7145-A9DE-87A130656AA4}" type="datetimeFigureOut">
               <a:rPr lang="en-US" smtClean="0"/>
-              <a:t>4/25/2024</a:t>
+              <a:t>4/26/24</a:t>
             </a:fld>
             <a:endParaRPr lang="en-US"/>
           </a:p>
@@ -2252,7 +2252,7 @@
           <a:p>
             <a:fld id="{F19300BF-F106-7145-A9DE-87A130656AA4}" type="datetimeFigureOut">
               <a:rPr lang="en-US" smtClean="0"/>
-              <a:t>4/25/2024</a:t>
+              <a:t>4/26/24</a:t>
             </a:fld>
             <a:endParaRPr lang="en-US"/>
           </a:p>
@@ -2504,7 +2504,7 @@
           <a:p>
             <a:fld id="{F19300BF-F106-7145-A9DE-87A130656AA4}" type="datetimeFigureOut">
               <a:rPr lang="en-US" smtClean="0"/>
-              <a:t>4/25/2024</a:t>
+              <a:t>4/26/24</a:t>
             </a:fld>
             <a:endParaRPr lang="en-US"/>
           </a:p>
@@ -2715,7 +2715,7 @@
           <a:p>
             <a:fld id="{F19300BF-F106-7145-A9DE-87A130656AA4}" type="datetimeFigureOut">
               <a:rPr lang="en-US" smtClean="0"/>
-              <a:t>4/25/2024</a:t>
+              <a:t>4/26/24</a:t>
             </a:fld>
             <a:endParaRPr lang="en-US"/>
           </a:p>
@@ -7172,10 +7172,10 @@
       </p:pic>
       <p:pic>
         <p:nvPicPr>
-          <p:cNvPr id="6" name="Picture 5" descr="A diagram of a diagram&#10;&#10;Description automatically generated with medium confidence">
+          <p:cNvPr id="8" name="Picture 7" descr="A diagram of a model&#10;&#10;Description automatically generated">
             <a:extLst>
               <a:ext uri="{FF2B5EF4-FFF2-40B4-BE49-F238E27FC236}">
-                <a16:creationId xmlns:a16="http://schemas.microsoft.com/office/drawing/2014/main" id="{CC771D7C-75CB-CE46-56B6-292E66DB93A8}"/>
+                <a16:creationId xmlns:a16="http://schemas.microsoft.com/office/drawing/2014/main" id="{5BEC5502-FC92-8E46-85E8-D8F9EDA52FFE}"/>
               </a:ext>
             </a:extLst>
           </p:cNvPr>
@@ -7198,8 +7198,8 @@
         </p:blipFill>
         <p:spPr>
           <a:xfrm>
-            <a:off x="8786195" y="15992951"/>
-            <a:ext cx="18288000" cy="7711676"/>
+            <a:off x="8930767" y="15911289"/>
+            <a:ext cx="18288000" cy="7861563"/>
           </a:xfrm>
           <a:prstGeom prst="rect">
             <a:avLst/>
